--- a/lectures/lecture03.pptx
+++ b/lectures/lecture03.pptx
@@ -11,6 +11,7 @@
     <p:sldId id="261" r:id="rId5"/>
     <p:sldId id="259" r:id="rId6"/>
     <p:sldId id="262" r:id="rId7"/>
+    <p:sldId id="263" r:id="rId8"/>
   </p:sldIdLst>
   <p:sldSz cx="12192000" cy="6858000"/>
   <p:notesSz cx="6858000" cy="9144000"/>
@@ -6184,6 +6185,1199 @@
 </p:sld>
 </file>
 
+<file path=ppt/slides/slide7.xml><?xml version="1.0" encoding="utf-8"?>
+<p:sld xmlns:a="http://schemas.openxmlformats.org/drawingml/2006/main" xmlns:r="http://schemas.openxmlformats.org/officeDocument/2006/relationships" xmlns:p="http://schemas.openxmlformats.org/presentationml/2006/main">
+  <p:cSld>
+    <p:bg>
+      <p:bgPr>
+        <a:solidFill>
+          <a:srgbClr val="181720"/>
+        </a:solidFill>
+        <a:effectLst/>
+      </p:bgPr>
+    </p:bg>
+    <p:spTree>
+      <p:nvGrpSpPr>
+        <p:cNvPr id="1" name=""/>
+        <p:cNvGrpSpPr/>
+        <p:nvPr/>
+      </p:nvGrpSpPr>
+      <p:grpSpPr>
+        <a:xfrm>
+          <a:off x="0" y="0"/>
+          <a:ext cx="0" cy="0"/>
+          <a:chOff x="0" y="0"/>
+          <a:chExt cx="0" cy="0"/>
+        </a:xfrm>
+      </p:grpSpPr>
+      <p:sp>
+        <p:nvSpPr>
+          <p:cNvPr id="20" name="矩形 19">
+            <a:extLst>
+              <a:ext uri="{FF2B5EF4-FFF2-40B4-BE49-F238E27FC236}">
+                <a16:creationId xmlns:a16="http://schemas.microsoft.com/office/drawing/2014/main" id="{92B6EEC6-B2D7-4183-80F6-7120F6F111EA}"/>
+              </a:ext>
+            </a:extLst>
+          </p:cNvPr>
+          <p:cNvSpPr/>
+          <p:nvPr/>
+        </p:nvSpPr>
+        <p:spPr>
+          <a:xfrm>
+            <a:off x="0" y="0"/>
+            <a:ext cx="2441359" cy="6858000"/>
+          </a:xfrm>
+          <a:prstGeom prst="rect">
+            <a:avLst/>
+          </a:prstGeom>
+          <a:solidFill>
+            <a:srgbClr val="0E0C13"/>
+          </a:solidFill>
+          <a:ln>
+            <a:noFill/>
+          </a:ln>
+        </p:spPr>
+        <p:style>
+          <a:lnRef idx="2">
+            <a:schemeClr val="accent1">
+              <a:shade val="50000"/>
+            </a:schemeClr>
+          </a:lnRef>
+          <a:fillRef idx="1">
+            <a:schemeClr val="accent1"/>
+          </a:fillRef>
+          <a:effectRef idx="0">
+            <a:schemeClr val="accent1"/>
+          </a:effectRef>
+          <a:fontRef idx="minor">
+            <a:schemeClr val="lt1"/>
+          </a:fontRef>
+        </p:style>
+        <p:txBody>
+          <a:bodyPr rtlCol="0" anchor="ctr"/>
+          <a:lstStyle/>
+          <a:p>
+            <a:pPr marL="0" marR="0" lvl="0" indent="0" algn="ctr" defTabSz="914400" rtl="0" eaLnBrk="1" fontAlgn="auto" latinLnBrk="0" hangingPunct="1">
+              <a:lnSpc>
+                <a:spcPct val="100000"/>
+              </a:lnSpc>
+              <a:spcBef>
+                <a:spcPts val="0"/>
+              </a:spcBef>
+              <a:spcAft>
+                <a:spcPts val="0"/>
+              </a:spcAft>
+              <a:buClrTx/>
+              <a:buSzTx/>
+              <a:buFontTx/>
+              <a:buNone/>
+              <a:tabLst/>
+              <a:defRPr/>
+            </a:pPr>
+            <a:endParaRPr kumimoji="0" lang="en-US" sz="1800" b="0" i="0" u="none" strike="noStrike" kern="1200" cap="none" spc="0" normalizeH="0" baseline="0" noProof="0" dirty="0">
+              <a:ln>
+                <a:noFill/>
+              </a:ln>
+              <a:solidFill>
+                <a:prstClr val="white"/>
+              </a:solidFill>
+              <a:effectLst/>
+              <a:uLnTx/>
+              <a:uFillTx/>
+              <a:latin typeface="Calibri" panose="020F0502020204030204"/>
+              <a:ea typeface="+mn-ea"/>
+              <a:cs typeface="+mn-cs"/>
+            </a:endParaRPr>
+          </a:p>
+        </p:txBody>
+      </p:sp>
+      <p:sp>
+        <p:nvSpPr>
+          <p:cNvPr id="21" name="文本框 20">
+            <a:extLst>
+              <a:ext uri="{FF2B5EF4-FFF2-40B4-BE49-F238E27FC236}">
+                <a16:creationId xmlns:a16="http://schemas.microsoft.com/office/drawing/2014/main" id="{68625CDB-5309-4008-8F16-919E49635058}"/>
+              </a:ext>
+            </a:extLst>
+          </p:cNvPr>
+          <p:cNvSpPr txBox="1"/>
+          <p:nvPr/>
+        </p:nvSpPr>
+        <p:spPr>
+          <a:xfrm>
+            <a:off x="345731" y="1580251"/>
+            <a:ext cx="963725" cy="1015663"/>
+          </a:xfrm>
+          <a:prstGeom prst="rect">
+            <a:avLst/>
+          </a:prstGeom>
+          <a:noFill/>
+        </p:spPr>
+        <p:txBody>
+          <a:bodyPr wrap="none" rtlCol="0">
+            <a:spAutoFit/>
+          </a:bodyPr>
+          <a:lstStyle/>
+          <a:p>
+            <a:pPr marL="0" marR="0" lvl="0" indent="0" algn="l" defTabSz="914400" rtl="0" eaLnBrk="1" fontAlgn="auto" latinLnBrk="0" hangingPunct="1">
+              <a:lnSpc>
+                <a:spcPct val="100000"/>
+              </a:lnSpc>
+              <a:spcBef>
+                <a:spcPts val="0"/>
+              </a:spcBef>
+              <a:spcAft>
+                <a:spcPts val="0"/>
+              </a:spcAft>
+              <a:buClrTx/>
+              <a:buSzTx/>
+              <a:buFontTx/>
+              <a:buNone/>
+              <a:tabLst/>
+              <a:defRPr/>
+            </a:pPr>
+            <a:r>
+              <a:rPr kumimoji="0" lang="en-US" sz="6000" b="0" i="0" u="none" strike="noStrike" kern="1200" cap="none" spc="0" normalizeH="0" baseline="0" noProof="0" dirty="0">
+                <a:ln>
+                  <a:noFill/>
+                </a:ln>
+                <a:solidFill>
+                  <a:srgbClr val="24F9CB"/>
+                </a:solidFill>
+                <a:effectLst/>
+                <a:uLnTx/>
+                <a:uFillTx/>
+                <a:latin typeface="Calibri" panose="020F0502020204030204"/>
+                <a:ea typeface="+mn-ea"/>
+                <a:cs typeface="+mn-cs"/>
+              </a:rPr>
+              <a:t>0</a:t>
+            </a:r>
+            <a:r>
+              <a:rPr kumimoji="0" lang="en-US" altLang="zh-CN" sz="6000" b="0" i="0" u="none" strike="noStrike" kern="1200" cap="none" spc="0" normalizeH="0" baseline="0" noProof="0" dirty="0">
+                <a:ln>
+                  <a:noFill/>
+                </a:ln>
+                <a:solidFill>
+                  <a:srgbClr val="24F9CB"/>
+                </a:solidFill>
+                <a:effectLst/>
+                <a:uLnTx/>
+                <a:uFillTx/>
+                <a:latin typeface="Calibri" panose="020F0502020204030204"/>
+                <a:ea typeface="+mn-ea"/>
+                <a:cs typeface="+mn-cs"/>
+              </a:rPr>
+              <a:t>5</a:t>
+            </a:r>
+            <a:endParaRPr kumimoji="0" lang="en-US" sz="6000" b="0" i="0" u="none" strike="noStrike" kern="1200" cap="none" spc="0" normalizeH="0" baseline="0" noProof="0" dirty="0">
+              <a:ln>
+                <a:noFill/>
+              </a:ln>
+              <a:solidFill>
+                <a:srgbClr val="24F9CB"/>
+              </a:solidFill>
+              <a:effectLst/>
+              <a:uLnTx/>
+              <a:uFillTx/>
+              <a:latin typeface="Calibri" panose="020F0502020204030204"/>
+              <a:ea typeface="+mn-ea"/>
+              <a:cs typeface="+mn-cs"/>
+            </a:endParaRPr>
+          </a:p>
+        </p:txBody>
+      </p:sp>
+      <p:sp>
+        <p:nvSpPr>
+          <p:cNvPr id="22" name="文本框 21">
+            <a:extLst>
+              <a:ext uri="{FF2B5EF4-FFF2-40B4-BE49-F238E27FC236}">
+                <a16:creationId xmlns:a16="http://schemas.microsoft.com/office/drawing/2014/main" id="{AE603992-81BB-4BD3-BB8E-141077956FC5}"/>
+              </a:ext>
+            </a:extLst>
+          </p:cNvPr>
+          <p:cNvSpPr txBox="1"/>
+          <p:nvPr/>
+        </p:nvSpPr>
+        <p:spPr>
+          <a:xfrm>
+            <a:off x="345731" y="2595914"/>
+            <a:ext cx="1415772" cy="461665"/>
+          </a:xfrm>
+          <a:prstGeom prst="rect">
+            <a:avLst/>
+          </a:prstGeom>
+          <a:noFill/>
+        </p:spPr>
+        <p:txBody>
+          <a:bodyPr wrap="none" rtlCol="0">
+            <a:spAutoFit/>
+          </a:bodyPr>
+          <a:lstStyle/>
+          <a:p>
+            <a:pPr marL="0" marR="0" lvl="0" indent="0" algn="l" defTabSz="914400" rtl="0" eaLnBrk="1" fontAlgn="auto" latinLnBrk="0" hangingPunct="1">
+              <a:lnSpc>
+                <a:spcPct val="100000"/>
+              </a:lnSpc>
+              <a:spcBef>
+                <a:spcPts val="0"/>
+              </a:spcBef>
+              <a:spcAft>
+                <a:spcPts val="0"/>
+              </a:spcAft>
+              <a:buClrTx/>
+              <a:buSzTx/>
+              <a:buFontTx/>
+              <a:buNone/>
+              <a:tabLst/>
+              <a:defRPr/>
+            </a:pPr>
+            <a:r>
+              <a:rPr kumimoji="0" lang="zh-CN" altLang="en-US" sz="2400" b="0" i="0" u="none" strike="noStrike" kern="1200" cap="none" spc="0" normalizeH="0" baseline="0" noProof="0" dirty="0">
+                <a:ln>
+                  <a:noFill/>
+                </a:ln>
+                <a:solidFill>
+                  <a:prstClr val="white"/>
+                </a:solidFill>
+                <a:effectLst/>
+                <a:uLnTx/>
+                <a:uFillTx/>
+                <a:latin typeface="Calibri" panose="020F0502020204030204"/>
+                <a:ea typeface="+mn-ea"/>
+                <a:cs typeface="+mn-cs"/>
+              </a:rPr>
+              <a:t>本周作业</a:t>
+            </a:r>
+            <a:endParaRPr kumimoji="0" lang="en-US" sz="2400" b="0" i="0" u="none" strike="noStrike" kern="1200" cap="none" spc="0" normalizeH="0" baseline="0" noProof="0" dirty="0">
+              <a:ln>
+                <a:noFill/>
+              </a:ln>
+              <a:solidFill>
+                <a:prstClr val="white"/>
+              </a:solidFill>
+              <a:effectLst/>
+              <a:uLnTx/>
+              <a:uFillTx/>
+              <a:latin typeface="Calibri" panose="020F0502020204030204"/>
+              <a:ea typeface="+mn-ea"/>
+              <a:cs typeface="+mn-cs"/>
+            </a:endParaRPr>
+          </a:p>
+        </p:txBody>
+      </p:sp>
+      <p:pic>
+        <p:nvPicPr>
+          <p:cNvPr id="24" name="图形 23">
+            <a:extLst>
+              <a:ext uri="{FF2B5EF4-FFF2-40B4-BE49-F238E27FC236}">
+                <a16:creationId xmlns:a16="http://schemas.microsoft.com/office/drawing/2014/main" id="{16062DAF-E411-42E2-B988-70C25316E128}"/>
+              </a:ext>
+            </a:extLst>
+          </p:cNvPr>
+          <p:cNvPicPr>
+            <a:picLocks noChangeAspect="1"/>
+          </p:cNvPicPr>
+          <p:nvPr/>
+        </p:nvPicPr>
+        <p:blipFill>
+          <a:blip r:embed="rId2">
+            <a:extLst>
+              <a:ext uri="{96DAC541-7B7A-43D3-8B79-37D633B846F1}">
+                <asvg:svgBlip xmlns:asvg="http://schemas.microsoft.com/office/drawing/2016/SVG/main" r:embed="rId3"/>
+              </a:ext>
+            </a:extLst>
+          </a:blip>
+          <a:stretch>
+            <a:fillRect/>
+          </a:stretch>
+        </p:blipFill>
+        <p:spPr>
+          <a:xfrm>
+            <a:off x="214225" y="6493296"/>
+            <a:ext cx="1514139" cy="182880"/>
+          </a:xfrm>
+          <a:prstGeom prst="rect">
+            <a:avLst/>
+          </a:prstGeom>
+        </p:spPr>
+      </p:pic>
+      <p:sp>
+        <p:nvSpPr>
+          <p:cNvPr id="3" name="矩形 2">
+            <a:extLst>
+              <a:ext uri="{FF2B5EF4-FFF2-40B4-BE49-F238E27FC236}">
+                <a16:creationId xmlns:a16="http://schemas.microsoft.com/office/drawing/2014/main" id="{CBABCA56-BAF0-4A36-9A1D-B78635821277}"/>
+              </a:ext>
+            </a:extLst>
+          </p:cNvPr>
+          <p:cNvSpPr/>
+          <p:nvPr/>
+        </p:nvSpPr>
+        <p:spPr>
+          <a:xfrm>
+            <a:off x="2832808" y="1820350"/>
+            <a:ext cx="3932423" cy="369332"/>
+          </a:xfrm>
+          <a:prstGeom prst="rect">
+            <a:avLst/>
+          </a:prstGeom>
+        </p:spPr>
+        <p:txBody>
+          <a:bodyPr wrap="none">
+            <a:spAutoFit/>
+          </a:bodyPr>
+          <a:lstStyle/>
+          <a:p>
+            <a:pPr marL="0" marR="0" lvl="0" indent="0" algn="l" defTabSz="914400" rtl="0" eaLnBrk="1" fontAlgn="auto" latinLnBrk="0" hangingPunct="1">
+              <a:lnSpc>
+                <a:spcPct val="100000"/>
+              </a:lnSpc>
+              <a:spcBef>
+                <a:spcPts val="0"/>
+              </a:spcBef>
+              <a:spcAft>
+                <a:spcPts val="0"/>
+              </a:spcAft>
+              <a:buClrTx/>
+              <a:buSzTx/>
+              <a:buFontTx/>
+              <a:buNone/>
+              <a:tabLst/>
+              <a:defRPr/>
+            </a:pPr>
+            <a:r>
+              <a:rPr kumimoji="0" lang="zh-CN" altLang="en-US" sz="1800" b="0" i="0" u="none" strike="noStrike" kern="1200" cap="none" spc="0" normalizeH="0" baseline="0" noProof="0" dirty="0">
+                <a:ln>
+                  <a:noFill/>
+                </a:ln>
+                <a:solidFill>
+                  <a:prstClr val="white"/>
+                </a:solidFill>
+                <a:effectLst/>
+                <a:uLnTx/>
+                <a:uFillTx/>
+                <a:latin typeface="Calibri" panose="020F0502020204030204"/>
+                <a:ea typeface="+mn-ea"/>
+                <a:cs typeface="+mn-cs"/>
+              </a:rPr>
+              <a:t>用</a:t>
+            </a:r>
+            <a:r>
+              <a:rPr kumimoji="0" lang="en-US" altLang="zh-CN" sz="1800" b="0" i="0" u="none" strike="noStrike" kern="1200" cap="none" spc="0" normalizeH="0" baseline="0" noProof="0" dirty="0">
+                <a:ln>
+                  <a:noFill/>
+                </a:ln>
+                <a:solidFill>
+                  <a:prstClr val="white"/>
+                </a:solidFill>
+                <a:effectLst/>
+                <a:uLnTx/>
+                <a:uFillTx/>
+                <a:latin typeface="Calibri" panose="020F0502020204030204"/>
+                <a:ea typeface="+mn-ea"/>
+                <a:cs typeface="+mn-cs"/>
+              </a:rPr>
+              <a:t>React Router</a:t>
+            </a:r>
+            <a:r>
+              <a:rPr kumimoji="0" lang="zh-CN" altLang="en-US" sz="1800" b="0" i="0" u="none" strike="noStrike" kern="1200" cap="none" spc="0" normalizeH="0" baseline="0" noProof="0" dirty="0">
+                <a:ln>
+                  <a:noFill/>
+                </a:ln>
+                <a:solidFill>
+                  <a:prstClr val="white"/>
+                </a:solidFill>
+                <a:effectLst/>
+                <a:uLnTx/>
+                <a:uFillTx/>
+                <a:latin typeface="Calibri" panose="020F0502020204030204"/>
+                <a:ea typeface="+mn-ea"/>
+                <a:cs typeface="+mn-cs"/>
+              </a:rPr>
+              <a:t>实现如下的多页面结构</a:t>
+            </a:r>
+            <a:endParaRPr kumimoji="0" lang="en-US" sz="1800" b="0" i="0" u="none" strike="noStrike" kern="1200" cap="none" spc="0" normalizeH="0" baseline="0" noProof="0" dirty="0">
+              <a:ln>
+                <a:noFill/>
+              </a:ln>
+              <a:solidFill>
+                <a:prstClr val="white"/>
+              </a:solidFill>
+              <a:effectLst/>
+              <a:uLnTx/>
+              <a:uFillTx/>
+              <a:latin typeface="Calibri" panose="020F0502020204030204"/>
+              <a:ea typeface="+mn-ea"/>
+              <a:cs typeface="+mn-cs"/>
+            </a:endParaRPr>
+          </a:p>
+        </p:txBody>
+      </p:sp>
+      <p:sp>
+        <p:nvSpPr>
+          <p:cNvPr id="26" name="Rectangle 3">
+            <a:extLst>
+              <a:ext uri="{FF2B5EF4-FFF2-40B4-BE49-F238E27FC236}">
+                <a16:creationId xmlns:a16="http://schemas.microsoft.com/office/drawing/2014/main" id="{22675FF7-5D45-4DB6-B35A-DEE678711AFF}"/>
+              </a:ext>
+            </a:extLst>
+          </p:cNvPr>
+          <p:cNvSpPr/>
+          <p:nvPr/>
+        </p:nvSpPr>
+        <p:spPr>
+          <a:xfrm rot="10800000">
+            <a:off x="2787089" y="1776416"/>
+            <a:ext cx="45719" cy="457200"/>
+          </a:xfrm>
+          <a:prstGeom prst="rect">
+            <a:avLst/>
+          </a:prstGeom>
+          <a:solidFill>
+            <a:srgbClr val="E17079"/>
+          </a:solidFill>
+          <a:ln>
+            <a:noFill/>
+          </a:ln>
+        </p:spPr>
+        <p:style>
+          <a:lnRef idx="2">
+            <a:schemeClr val="accent1">
+              <a:shade val="50000"/>
+            </a:schemeClr>
+          </a:lnRef>
+          <a:fillRef idx="1">
+            <a:schemeClr val="accent1"/>
+          </a:fillRef>
+          <a:effectRef idx="0">
+            <a:schemeClr val="accent1"/>
+          </a:effectRef>
+          <a:fontRef idx="minor">
+            <a:schemeClr val="lt1"/>
+          </a:fontRef>
+        </p:style>
+        <p:txBody>
+          <a:bodyPr rtlCol="0" anchor="ctr"/>
+          <a:lstStyle/>
+          <a:p>
+            <a:pPr marL="0" marR="0" lvl="0" indent="0" algn="ctr" defTabSz="914400" rtl="0" eaLnBrk="1" fontAlgn="auto" latinLnBrk="0" hangingPunct="1">
+              <a:lnSpc>
+                <a:spcPct val="100000"/>
+              </a:lnSpc>
+              <a:spcBef>
+                <a:spcPts val="0"/>
+              </a:spcBef>
+              <a:spcAft>
+                <a:spcPts val="0"/>
+              </a:spcAft>
+              <a:buClrTx/>
+              <a:buSzTx/>
+              <a:buFontTx/>
+              <a:buNone/>
+              <a:tabLst/>
+              <a:defRPr/>
+            </a:pPr>
+            <a:endParaRPr kumimoji="0" lang="en-US" sz="1800" b="0" i="0" u="none" strike="noStrike" kern="1200" cap="none" spc="0" normalizeH="0" baseline="0" noProof="0">
+              <a:ln>
+                <a:noFill/>
+              </a:ln>
+              <a:solidFill>
+                <a:prstClr val="white"/>
+              </a:solidFill>
+              <a:effectLst/>
+              <a:uLnTx/>
+              <a:uFillTx/>
+              <a:latin typeface="Calibri" panose="020F0502020204030204"/>
+              <a:ea typeface="+mn-ea"/>
+              <a:cs typeface="+mn-cs"/>
+            </a:endParaRPr>
+          </a:p>
+        </p:txBody>
+      </p:sp>
+      <p:sp>
+        <p:nvSpPr>
+          <p:cNvPr id="10" name="矩形 9">
+            <a:extLst>
+              <a:ext uri="{FF2B5EF4-FFF2-40B4-BE49-F238E27FC236}">
+                <a16:creationId xmlns:a16="http://schemas.microsoft.com/office/drawing/2014/main" id="{8B3F0AB4-581B-4E1A-95C1-514D472ADB99}"/>
+              </a:ext>
+            </a:extLst>
+          </p:cNvPr>
+          <p:cNvSpPr/>
+          <p:nvPr/>
+        </p:nvSpPr>
+        <p:spPr>
+          <a:xfrm>
+            <a:off x="2832808" y="2233616"/>
+            <a:ext cx="3745897" cy="1200329"/>
+          </a:xfrm>
+          <a:prstGeom prst="rect">
+            <a:avLst/>
+          </a:prstGeom>
+        </p:spPr>
+        <p:txBody>
+          <a:bodyPr wrap="none">
+            <a:spAutoFit/>
+          </a:bodyPr>
+          <a:lstStyle/>
+          <a:p>
+            <a:pPr marL="0" marR="0" lvl="0" indent="0" algn="l" defTabSz="914400" rtl="0" eaLnBrk="1" fontAlgn="auto" latinLnBrk="0" hangingPunct="1">
+              <a:lnSpc>
+                <a:spcPct val="100000"/>
+              </a:lnSpc>
+              <a:spcBef>
+                <a:spcPts val="0"/>
+              </a:spcBef>
+              <a:spcAft>
+                <a:spcPts val="0"/>
+              </a:spcAft>
+              <a:buClrTx/>
+              <a:buSzTx/>
+              <a:buFontTx/>
+              <a:buNone/>
+              <a:tabLst/>
+              <a:defRPr/>
+            </a:pPr>
+            <a:r>
+              <a:rPr lang="en-US" dirty="0">
+                <a:solidFill>
+                  <a:prstClr val="white"/>
+                </a:solidFill>
+                <a:latin typeface="Calibri" panose="020F0502020204030204"/>
+              </a:rPr>
+              <a:t>l</a:t>
+            </a:r>
+            <a:r>
+              <a:rPr kumimoji="0" lang="en-US" sz="1800" b="0" i="0" u="none" strike="noStrike" kern="1200" cap="none" spc="0" normalizeH="0" baseline="0" noProof="0" dirty="0">
+                <a:ln>
+                  <a:noFill/>
+                </a:ln>
+                <a:solidFill>
+                  <a:prstClr val="white"/>
+                </a:solidFill>
+                <a:effectLst/>
+                <a:uLnTx/>
+                <a:uFillTx/>
+                <a:latin typeface="Calibri" panose="020F0502020204030204"/>
+                <a:ea typeface="+mn-ea"/>
+                <a:cs typeface="+mn-cs"/>
+              </a:rPr>
+              <a:t>ocalhost:3000/ - </a:t>
+            </a:r>
+            <a:r>
+              <a:rPr kumimoji="0" lang="zh-CN" altLang="en-US" sz="1800" b="0" i="0" u="none" strike="noStrike" kern="1200" cap="none" spc="0" normalizeH="0" baseline="0" noProof="0" dirty="0">
+                <a:ln>
+                  <a:noFill/>
+                </a:ln>
+                <a:solidFill>
+                  <a:prstClr val="white"/>
+                </a:solidFill>
+                <a:effectLst/>
+                <a:uLnTx/>
+                <a:uFillTx/>
+                <a:latin typeface="Calibri" panose="020F0502020204030204"/>
+                <a:ea typeface="+mn-ea"/>
+                <a:cs typeface="+mn-cs"/>
+              </a:rPr>
+              <a:t>登陆</a:t>
+            </a:r>
+            <a:endParaRPr kumimoji="0" lang="en-US" sz="1800" b="0" i="0" u="none" strike="noStrike" kern="1200" cap="none" spc="0" normalizeH="0" baseline="0" noProof="0" dirty="0">
+              <a:ln>
+                <a:noFill/>
+              </a:ln>
+              <a:solidFill>
+                <a:prstClr val="white"/>
+              </a:solidFill>
+              <a:effectLst/>
+              <a:uLnTx/>
+              <a:uFillTx/>
+              <a:latin typeface="Calibri" panose="020F0502020204030204"/>
+              <a:ea typeface="+mn-ea"/>
+              <a:cs typeface="+mn-cs"/>
+            </a:endParaRPr>
+          </a:p>
+          <a:p>
+            <a:pPr marL="0" marR="0" lvl="0" indent="0" algn="l" defTabSz="914400" rtl="0" eaLnBrk="1" fontAlgn="auto" latinLnBrk="0" hangingPunct="1">
+              <a:lnSpc>
+                <a:spcPct val="100000"/>
+              </a:lnSpc>
+              <a:spcBef>
+                <a:spcPts val="0"/>
+              </a:spcBef>
+              <a:spcAft>
+                <a:spcPts val="0"/>
+              </a:spcAft>
+              <a:buClrTx/>
+              <a:buSzTx/>
+              <a:buFontTx/>
+              <a:buNone/>
+              <a:tabLst/>
+              <a:defRPr/>
+            </a:pPr>
+            <a:r>
+              <a:rPr lang="en-US" dirty="0">
+                <a:solidFill>
+                  <a:prstClr val="white"/>
+                </a:solidFill>
+                <a:latin typeface="Calibri" panose="020F0502020204030204"/>
+              </a:rPr>
+              <a:t>localhost:3000/login – </a:t>
+            </a:r>
+            <a:r>
+              <a:rPr lang="zh-CN" altLang="en-US" dirty="0">
+                <a:solidFill>
+                  <a:prstClr val="white"/>
+                </a:solidFill>
+                <a:latin typeface="Calibri" panose="020F0502020204030204"/>
+              </a:rPr>
+              <a:t>登陆</a:t>
+            </a:r>
+            <a:endParaRPr lang="en-US" dirty="0">
+              <a:solidFill>
+                <a:prstClr val="white"/>
+              </a:solidFill>
+              <a:latin typeface="Calibri" panose="020F0502020204030204"/>
+            </a:endParaRPr>
+          </a:p>
+          <a:p>
+            <a:pPr marL="0" marR="0" lvl="0" indent="0" algn="l" defTabSz="914400" rtl="0" eaLnBrk="1" fontAlgn="auto" latinLnBrk="0" hangingPunct="1">
+              <a:lnSpc>
+                <a:spcPct val="100000"/>
+              </a:lnSpc>
+              <a:spcBef>
+                <a:spcPts val="0"/>
+              </a:spcBef>
+              <a:spcAft>
+                <a:spcPts val="0"/>
+              </a:spcAft>
+              <a:buClrTx/>
+              <a:buSzTx/>
+              <a:buFontTx/>
+              <a:buNone/>
+              <a:tabLst/>
+              <a:defRPr/>
+            </a:pPr>
+            <a:r>
+              <a:rPr lang="en-US" dirty="0">
+                <a:solidFill>
+                  <a:prstClr val="white"/>
+                </a:solidFill>
+                <a:latin typeface="Calibri" panose="020F0502020204030204"/>
+              </a:rPr>
+              <a:t>l</a:t>
+            </a:r>
+            <a:r>
+              <a:rPr kumimoji="0" lang="en-US" sz="1800" b="0" i="0" u="none" strike="noStrike" kern="1200" cap="none" spc="0" normalizeH="0" baseline="0" noProof="0" dirty="0">
+                <a:ln>
+                  <a:noFill/>
+                </a:ln>
+                <a:solidFill>
+                  <a:prstClr val="white"/>
+                </a:solidFill>
+                <a:effectLst/>
+                <a:uLnTx/>
+                <a:uFillTx/>
+                <a:latin typeface="Calibri" panose="020F0502020204030204"/>
+                <a:ea typeface="+mn-ea"/>
+                <a:cs typeface="+mn-cs"/>
+              </a:rPr>
+              <a:t>ocalhost:3000/signup – </a:t>
+            </a:r>
+            <a:r>
+              <a:rPr kumimoji="0" lang="zh-CN" altLang="en-US" sz="1800" b="0" i="0" u="none" strike="noStrike" kern="1200" cap="none" spc="0" normalizeH="0" baseline="0" noProof="0" dirty="0">
+                <a:ln>
+                  <a:noFill/>
+                </a:ln>
+                <a:solidFill>
+                  <a:prstClr val="white"/>
+                </a:solidFill>
+                <a:effectLst/>
+                <a:uLnTx/>
+                <a:uFillTx/>
+                <a:latin typeface="Calibri" panose="020F0502020204030204"/>
+                <a:ea typeface="+mn-ea"/>
+                <a:cs typeface="+mn-cs"/>
+              </a:rPr>
+              <a:t>注册</a:t>
+            </a:r>
+            <a:endParaRPr kumimoji="0" lang="en-US" altLang="zh-CN" sz="1800" b="0" i="0" u="none" strike="noStrike" kern="1200" cap="none" spc="0" normalizeH="0" baseline="0" noProof="0" dirty="0">
+              <a:ln>
+                <a:noFill/>
+              </a:ln>
+              <a:solidFill>
+                <a:prstClr val="white"/>
+              </a:solidFill>
+              <a:effectLst/>
+              <a:uLnTx/>
+              <a:uFillTx/>
+              <a:latin typeface="Calibri" panose="020F0502020204030204"/>
+              <a:ea typeface="+mn-ea"/>
+              <a:cs typeface="+mn-cs"/>
+            </a:endParaRPr>
+          </a:p>
+          <a:p>
+            <a:pPr marL="0" marR="0" lvl="0" indent="0" algn="l" defTabSz="914400" rtl="0" eaLnBrk="1" fontAlgn="auto" latinLnBrk="0" hangingPunct="1">
+              <a:lnSpc>
+                <a:spcPct val="100000"/>
+              </a:lnSpc>
+              <a:spcBef>
+                <a:spcPts val="0"/>
+              </a:spcBef>
+              <a:spcAft>
+                <a:spcPts val="0"/>
+              </a:spcAft>
+              <a:buClrTx/>
+              <a:buSzTx/>
+              <a:buFontTx/>
+              <a:buNone/>
+              <a:tabLst/>
+              <a:defRPr/>
+            </a:pPr>
+            <a:r>
+              <a:rPr lang="en-US" dirty="0">
+                <a:solidFill>
+                  <a:prstClr val="white"/>
+                </a:solidFill>
+                <a:latin typeface="Calibri" panose="020F0502020204030204"/>
+              </a:rPr>
+              <a:t>localhost:3000/questions – </a:t>
+            </a:r>
+            <a:r>
+              <a:rPr lang="zh-CN" altLang="en-US" dirty="0">
+                <a:solidFill>
+                  <a:prstClr val="white"/>
+                </a:solidFill>
+                <a:latin typeface="Calibri" panose="020F0502020204030204"/>
+              </a:rPr>
+              <a:t>问题列表</a:t>
+            </a:r>
+            <a:endParaRPr kumimoji="0" lang="en-US" sz="1800" b="0" i="0" u="none" strike="noStrike" kern="1200" cap="none" spc="0" normalizeH="0" baseline="0" noProof="0" dirty="0">
+              <a:ln>
+                <a:noFill/>
+              </a:ln>
+              <a:solidFill>
+                <a:prstClr val="white"/>
+              </a:solidFill>
+              <a:effectLst/>
+              <a:uLnTx/>
+              <a:uFillTx/>
+              <a:latin typeface="Calibri" panose="020F0502020204030204"/>
+              <a:ea typeface="+mn-ea"/>
+              <a:cs typeface="+mn-cs"/>
+            </a:endParaRPr>
+          </a:p>
+        </p:txBody>
+      </p:sp>
+      <p:sp>
+        <p:nvSpPr>
+          <p:cNvPr id="11" name="矩形 10">
+            <a:extLst>
+              <a:ext uri="{FF2B5EF4-FFF2-40B4-BE49-F238E27FC236}">
+                <a16:creationId xmlns:a16="http://schemas.microsoft.com/office/drawing/2014/main" id="{64AAC26F-1B6B-44BB-A50E-3305BBF9CC6B}"/>
+              </a:ext>
+            </a:extLst>
+          </p:cNvPr>
+          <p:cNvSpPr/>
+          <p:nvPr/>
+        </p:nvSpPr>
+        <p:spPr>
+          <a:xfrm>
+            <a:off x="2832808" y="3476179"/>
+            <a:ext cx="7862922" cy="369332"/>
+          </a:xfrm>
+          <a:prstGeom prst="rect">
+            <a:avLst/>
+          </a:prstGeom>
+        </p:spPr>
+        <p:txBody>
+          <a:bodyPr wrap="none">
+            <a:spAutoFit/>
+          </a:bodyPr>
+          <a:lstStyle/>
+          <a:p>
+            <a:pPr marL="0" marR="0" lvl="0" indent="0" algn="l" defTabSz="914400" rtl="0" eaLnBrk="1" fontAlgn="auto" latinLnBrk="0" hangingPunct="1">
+              <a:lnSpc>
+                <a:spcPct val="100000"/>
+              </a:lnSpc>
+              <a:spcBef>
+                <a:spcPts val="0"/>
+              </a:spcBef>
+              <a:spcAft>
+                <a:spcPts val="0"/>
+              </a:spcAft>
+              <a:buClrTx/>
+              <a:buSzTx/>
+              <a:buFontTx/>
+              <a:buNone/>
+              <a:tabLst/>
+              <a:defRPr/>
+            </a:pPr>
+            <a:r>
+              <a:rPr kumimoji="0" lang="zh-CN" altLang="en-US" sz="1800" b="0" i="0" u="none" strike="noStrike" kern="1200" cap="none" spc="0" normalizeH="0" baseline="0" noProof="0" dirty="0">
+                <a:ln>
+                  <a:noFill/>
+                </a:ln>
+                <a:solidFill>
+                  <a:prstClr val="white"/>
+                </a:solidFill>
+                <a:effectLst/>
+                <a:uLnTx/>
+                <a:uFillTx/>
+                <a:latin typeface="Calibri" panose="020F0502020204030204"/>
+                <a:ea typeface="+mn-ea"/>
+                <a:cs typeface="+mn-cs"/>
+              </a:rPr>
+              <a:t>本次作业内容较多，因些建议可以从示例代码中</a:t>
+            </a:r>
+            <a:r>
+              <a:rPr kumimoji="0" lang="en-US" altLang="zh-CN" sz="1800" b="0" i="0" u="none" strike="noStrike" kern="1200" cap="none" spc="0" normalizeH="0" baseline="0" noProof="0" dirty="0">
+                <a:ln>
+                  <a:noFill/>
+                </a:ln>
+                <a:solidFill>
+                  <a:prstClr val="white"/>
+                </a:solidFill>
+                <a:effectLst/>
+                <a:uLnTx/>
+                <a:uFillTx/>
+                <a:latin typeface="Calibri" panose="020F0502020204030204"/>
+                <a:ea typeface="+mn-ea"/>
+                <a:cs typeface="+mn-cs"/>
+              </a:rPr>
+              <a:t>copy &amp; paste</a:t>
+            </a:r>
+            <a:r>
+              <a:rPr kumimoji="0" lang="zh-CN" altLang="en-US" sz="1800" b="0" i="0" u="none" strike="noStrike" kern="1200" cap="none" spc="0" normalizeH="0" baseline="0" noProof="0" dirty="0">
+                <a:ln>
+                  <a:noFill/>
+                </a:ln>
+                <a:solidFill>
+                  <a:prstClr val="white"/>
+                </a:solidFill>
+                <a:effectLst/>
+                <a:uLnTx/>
+                <a:uFillTx/>
+                <a:latin typeface="Calibri" panose="020F0502020204030204"/>
+                <a:ea typeface="+mn-ea"/>
+                <a:cs typeface="+mn-cs"/>
+              </a:rPr>
+              <a:t>一些基础组件</a:t>
+            </a:r>
+            <a:endParaRPr kumimoji="0" lang="en-US" sz="1800" b="0" i="0" u="none" strike="noStrike" kern="1200" cap="none" spc="0" normalizeH="0" baseline="0" noProof="0" dirty="0">
+              <a:ln>
+                <a:noFill/>
+              </a:ln>
+              <a:solidFill>
+                <a:prstClr val="white"/>
+              </a:solidFill>
+              <a:effectLst/>
+              <a:uLnTx/>
+              <a:uFillTx/>
+              <a:latin typeface="Calibri" panose="020F0502020204030204"/>
+              <a:ea typeface="+mn-ea"/>
+              <a:cs typeface="+mn-cs"/>
+            </a:endParaRPr>
+          </a:p>
+        </p:txBody>
+      </p:sp>
+      <p:sp>
+        <p:nvSpPr>
+          <p:cNvPr id="14" name="Rectangle 3">
+            <a:extLst>
+              <a:ext uri="{FF2B5EF4-FFF2-40B4-BE49-F238E27FC236}">
+                <a16:creationId xmlns:a16="http://schemas.microsoft.com/office/drawing/2014/main" id="{A0C4941A-5C2E-4AAA-BDB7-D6C8B3ACB43A}"/>
+              </a:ext>
+            </a:extLst>
+          </p:cNvPr>
+          <p:cNvSpPr/>
+          <p:nvPr/>
+        </p:nvSpPr>
+        <p:spPr>
+          <a:xfrm rot="10800000">
+            <a:off x="2787089" y="3432245"/>
+            <a:ext cx="45719" cy="457200"/>
+          </a:xfrm>
+          <a:prstGeom prst="rect">
+            <a:avLst/>
+          </a:prstGeom>
+          <a:solidFill>
+            <a:srgbClr val="2CCBDE"/>
+          </a:solidFill>
+          <a:ln>
+            <a:noFill/>
+          </a:ln>
+        </p:spPr>
+        <p:style>
+          <a:lnRef idx="2">
+            <a:schemeClr val="accent1">
+              <a:shade val="50000"/>
+            </a:schemeClr>
+          </a:lnRef>
+          <a:fillRef idx="1">
+            <a:schemeClr val="accent1"/>
+          </a:fillRef>
+          <a:effectRef idx="0">
+            <a:schemeClr val="accent1"/>
+          </a:effectRef>
+          <a:fontRef idx="minor">
+            <a:schemeClr val="lt1"/>
+          </a:fontRef>
+        </p:style>
+        <p:txBody>
+          <a:bodyPr rtlCol="0" anchor="ctr"/>
+          <a:lstStyle/>
+          <a:p>
+            <a:pPr marL="0" marR="0" lvl="0" indent="0" algn="ctr" defTabSz="914400" rtl="0" eaLnBrk="1" fontAlgn="auto" latinLnBrk="0" hangingPunct="1">
+              <a:lnSpc>
+                <a:spcPct val="100000"/>
+              </a:lnSpc>
+              <a:spcBef>
+                <a:spcPts val="0"/>
+              </a:spcBef>
+              <a:spcAft>
+                <a:spcPts val="0"/>
+              </a:spcAft>
+              <a:buClrTx/>
+              <a:buSzTx/>
+              <a:buFontTx/>
+              <a:buNone/>
+              <a:tabLst/>
+              <a:defRPr/>
+            </a:pPr>
+            <a:endParaRPr kumimoji="0" lang="en-US" sz="1800" b="0" i="0" u="none" strike="noStrike" kern="1200" cap="none" spc="0" normalizeH="0" baseline="0" noProof="0">
+              <a:ln>
+                <a:noFill/>
+              </a:ln>
+              <a:solidFill>
+                <a:prstClr val="white"/>
+              </a:solidFill>
+              <a:effectLst/>
+              <a:uLnTx/>
+              <a:uFillTx/>
+              <a:latin typeface="Calibri" panose="020F0502020204030204"/>
+              <a:ea typeface="+mn-ea"/>
+              <a:cs typeface="+mn-cs"/>
+            </a:endParaRPr>
+          </a:p>
+        </p:txBody>
+      </p:sp>
+      <p:sp>
+        <p:nvSpPr>
+          <p:cNvPr id="15" name="矩形 14">
+            <a:extLst>
+              <a:ext uri="{FF2B5EF4-FFF2-40B4-BE49-F238E27FC236}">
+                <a16:creationId xmlns:a16="http://schemas.microsoft.com/office/drawing/2014/main" id="{E320A8B5-4FB2-4D7D-89E2-7505C5C18F5E}"/>
+              </a:ext>
+            </a:extLst>
+          </p:cNvPr>
+          <p:cNvSpPr/>
+          <p:nvPr/>
+        </p:nvSpPr>
+        <p:spPr>
+          <a:xfrm>
+            <a:off x="2833770" y="3889445"/>
+            <a:ext cx="2907527" cy="923330"/>
+          </a:xfrm>
+          <a:prstGeom prst="rect">
+            <a:avLst/>
+          </a:prstGeom>
+        </p:spPr>
+        <p:txBody>
+          <a:bodyPr wrap="none">
+            <a:spAutoFit/>
+          </a:bodyPr>
+          <a:lstStyle/>
+          <a:p>
+            <a:pPr marL="0" marR="0" lvl="0" indent="0" algn="l" defTabSz="914400" rtl="0" eaLnBrk="1" fontAlgn="auto" latinLnBrk="0" hangingPunct="1">
+              <a:lnSpc>
+                <a:spcPct val="100000"/>
+              </a:lnSpc>
+              <a:spcBef>
+                <a:spcPts val="0"/>
+              </a:spcBef>
+              <a:spcAft>
+                <a:spcPts val="0"/>
+              </a:spcAft>
+              <a:buClrTx/>
+              <a:buSzTx/>
+              <a:buFontTx/>
+              <a:buNone/>
+              <a:tabLst/>
+              <a:defRPr/>
+            </a:pPr>
+            <a:r>
+              <a:rPr lang="en-US" dirty="0">
+                <a:solidFill>
+                  <a:prstClr val="white"/>
+                </a:solidFill>
+                <a:latin typeface="Calibri" panose="020F0502020204030204"/>
+              </a:rPr>
+              <a:t>s</a:t>
+            </a:r>
+            <a:r>
+              <a:rPr kumimoji="0" lang="en-US" sz="1800" b="0" i="0" u="none" strike="noStrike" kern="1200" cap="none" spc="0" normalizeH="0" baseline="0" noProof="0" dirty="0" err="1">
+                <a:ln>
+                  <a:noFill/>
+                </a:ln>
+                <a:solidFill>
+                  <a:prstClr val="white"/>
+                </a:solidFill>
+                <a:effectLst/>
+                <a:uLnTx/>
+                <a:uFillTx/>
+                <a:latin typeface="Calibri" panose="020F0502020204030204"/>
+                <a:ea typeface="+mn-ea"/>
+                <a:cs typeface="+mn-cs"/>
+              </a:rPr>
+              <a:t>rc</a:t>
+            </a:r>
+            <a:r>
+              <a:rPr kumimoji="0" lang="en-US" sz="1800" b="0" i="0" u="none" strike="noStrike" kern="1200" cap="none" spc="0" normalizeH="0" baseline="0" noProof="0" dirty="0">
+                <a:ln>
+                  <a:noFill/>
+                </a:ln>
+                <a:solidFill>
+                  <a:prstClr val="white"/>
+                </a:solidFill>
+                <a:effectLst/>
+                <a:uLnTx/>
+                <a:uFillTx/>
+                <a:latin typeface="Calibri" panose="020F0502020204030204"/>
+                <a:ea typeface="+mn-ea"/>
+                <a:cs typeface="+mn-cs"/>
+              </a:rPr>
+              <a:t>/components/Question.js</a:t>
+            </a:r>
+          </a:p>
+          <a:p>
+            <a:pPr marL="0" marR="0" lvl="0" indent="0" algn="l" defTabSz="914400" rtl="0" eaLnBrk="1" fontAlgn="auto" latinLnBrk="0" hangingPunct="1">
+              <a:lnSpc>
+                <a:spcPct val="100000"/>
+              </a:lnSpc>
+              <a:spcBef>
+                <a:spcPts val="0"/>
+              </a:spcBef>
+              <a:spcAft>
+                <a:spcPts val="0"/>
+              </a:spcAft>
+              <a:buClrTx/>
+              <a:buSzTx/>
+              <a:buFontTx/>
+              <a:buNone/>
+              <a:tabLst/>
+              <a:defRPr/>
+            </a:pPr>
+            <a:r>
+              <a:rPr lang="en-US" dirty="0">
+                <a:solidFill>
+                  <a:prstClr val="white"/>
+                </a:solidFill>
+                <a:latin typeface="Calibri" panose="020F0502020204030204"/>
+              </a:rPr>
+              <a:t>s</a:t>
+            </a:r>
+            <a:r>
+              <a:rPr kumimoji="0" lang="en-US" sz="1800" b="0" i="0" u="none" strike="noStrike" kern="1200" cap="none" spc="0" normalizeH="0" baseline="0" noProof="0" dirty="0" err="1">
+                <a:ln>
+                  <a:noFill/>
+                </a:ln>
+                <a:solidFill>
+                  <a:prstClr val="white"/>
+                </a:solidFill>
+                <a:effectLst/>
+                <a:uLnTx/>
+                <a:uFillTx/>
+                <a:latin typeface="Calibri" panose="020F0502020204030204"/>
+                <a:ea typeface="+mn-ea"/>
+                <a:cs typeface="+mn-cs"/>
+              </a:rPr>
+              <a:t>rc</a:t>
+            </a:r>
+            <a:r>
+              <a:rPr kumimoji="0" lang="en-US" sz="1800" b="0" i="0" u="none" strike="noStrike" kern="1200" cap="none" spc="0" normalizeH="0" baseline="0" noProof="0" dirty="0">
+                <a:ln>
+                  <a:noFill/>
+                </a:ln>
+                <a:solidFill>
+                  <a:prstClr val="white"/>
+                </a:solidFill>
+                <a:effectLst/>
+                <a:uLnTx/>
+                <a:uFillTx/>
+                <a:latin typeface="Calibri" panose="020F0502020204030204"/>
+                <a:ea typeface="+mn-ea"/>
+                <a:cs typeface="+mn-cs"/>
+              </a:rPr>
+              <a:t>/components/Seperator.js</a:t>
+            </a:r>
+          </a:p>
+          <a:p>
+            <a:pPr marL="0" marR="0" lvl="0" indent="0" algn="l" defTabSz="914400" rtl="0" eaLnBrk="1" fontAlgn="auto" latinLnBrk="0" hangingPunct="1">
+              <a:lnSpc>
+                <a:spcPct val="100000"/>
+              </a:lnSpc>
+              <a:spcBef>
+                <a:spcPts val="0"/>
+              </a:spcBef>
+              <a:spcAft>
+                <a:spcPts val="0"/>
+              </a:spcAft>
+              <a:buClrTx/>
+              <a:buSzTx/>
+              <a:buFontTx/>
+              <a:buNone/>
+              <a:tabLst/>
+              <a:defRPr/>
+            </a:pPr>
+            <a:r>
+              <a:rPr lang="en-US" dirty="0" err="1">
+                <a:solidFill>
+                  <a:prstClr val="white"/>
+                </a:solidFill>
+                <a:latin typeface="Calibri" panose="020F0502020204030204"/>
+              </a:rPr>
+              <a:t>src</a:t>
+            </a:r>
+            <a:r>
+              <a:rPr lang="en-US" dirty="0">
+                <a:solidFill>
+                  <a:prstClr val="white"/>
+                </a:solidFill>
+                <a:latin typeface="Calibri" panose="020F0502020204030204"/>
+              </a:rPr>
+              <a:t>/components/Header.js</a:t>
+            </a:r>
+            <a:endParaRPr kumimoji="0" lang="en-US" sz="1800" b="0" i="0" u="none" strike="noStrike" kern="1200" cap="none" spc="0" normalizeH="0" baseline="0" noProof="0" dirty="0">
+              <a:ln>
+                <a:noFill/>
+              </a:ln>
+              <a:solidFill>
+                <a:prstClr val="white"/>
+              </a:solidFill>
+              <a:effectLst/>
+              <a:uLnTx/>
+              <a:uFillTx/>
+              <a:latin typeface="Calibri" panose="020F0502020204030204"/>
+              <a:ea typeface="+mn-ea"/>
+              <a:cs typeface="+mn-cs"/>
+            </a:endParaRPr>
+          </a:p>
+        </p:txBody>
+      </p:sp>
+    </p:spTree>
+    <p:extLst>
+      <p:ext uri="{BB962C8B-B14F-4D97-AF65-F5344CB8AC3E}">
+        <p14:creationId xmlns:p14="http://schemas.microsoft.com/office/powerpoint/2010/main" val="513332259"/>
+      </p:ext>
+    </p:extLst>
+  </p:cSld>
+  <p:clrMapOvr>
+    <a:masterClrMapping/>
+  </p:clrMapOvr>
+</p:sld>
+</file>
+
 <file path=ppt/theme/theme1.xml><?xml version="1.0" encoding="utf-8"?>
 <a:theme xmlns:a="http://schemas.openxmlformats.org/drawingml/2006/main" name="Office Theme">
   <a:themeElements>

--- a/lectures/lecture03.pptx
+++ b/lectures/lecture03.pptx
@@ -265,7 +265,7 @@
           <a:p>
             <a:fld id="{57CF08AD-F0F7-AE4B-B667-A82446B580D0}" type="datetimeFigureOut">
               <a:rPr lang="en-US" smtClean="0"/>
-              <a:t>3/2/2019</a:t>
+              <a:t>3/2/19</a:t>
             </a:fld>
             <a:endParaRPr lang="en-US"/>
           </a:p>
@@ -463,7 +463,7 @@
           <a:p>
             <a:fld id="{57CF08AD-F0F7-AE4B-B667-A82446B580D0}" type="datetimeFigureOut">
               <a:rPr lang="en-US" smtClean="0"/>
-              <a:t>3/2/2019</a:t>
+              <a:t>3/2/19</a:t>
             </a:fld>
             <a:endParaRPr lang="en-US"/>
           </a:p>
@@ -671,7 +671,7 @@
           <a:p>
             <a:fld id="{57CF08AD-F0F7-AE4B-B667-A82446B580D0}" type="datetimeFigureOut">
               <a:rPr lang="en-US" smtClean="0"/>
-              <a:t>3/2/2019</a:t>
+              <a:t>3/2/19</a:t>
             </a:fld>
             <a:endParaRPr lang="en-US"/>
           </a:p>
@@ -869,7 +869,7 @@
           <a:p>
             <a:fld id="{57CF08AD-F0F7-AE4B-B667-A82446B580D0}" type="datetimeFigureOut">
               <a:rPr lang="en-US" smtClean="0"/>
-              <a:t>3/2/2019</a:t>
+              <a:t>3/2/19</a:t>
             </a:fld>
             <a:endParaRPr lang="en-US"/>
           </a:p>
@@ -1144,7 +1144,7 @@
           <a:p>
             <a:fld id="{57CF08AD-F0F7-AE4B-B667-A82446B580D0}" type="datetimeFigureOut">
               <a:rPr lang="en-US" smtClean="0"/>
-              <a:t>3/2/2019</a:t>
+              <a:t>3/2/19</a:t>
             </a:fld>
             <a:endParaRPr lang="en-US"/>
           </a:p>
@@ -1409,7 +1409,7 @@
           <a:p>
             <a:fld id="{57CF08AD-F0F7-AE4B-B667-A82446B580D0}" type="datetimeFigureOut">
               <a:rPr lang="en-US" smtClean="0"/>
-              <a:t>3/2/2019</a:t>
+              <a:t>3/2/19</a:t>
             </a:fld>
             <a:endParaRPr lang="en-US"/>
           </a:p>
@@ -1821,7 +1821,7 @@
           <a:p>
             <a:fld id="{57CF08AD-F0F7-AE4B-B667-A82446B580D0}" type="datetimeFigureOut">
               <a:rPr lang="en-US" smtClean="0"/>
-              <a:t>3/2/2019</a:t>
+              <a:t>3/2/19</a:t>
             </a:fld>
             <a:endParaRPr lang="en-US"/>
           </a:p>
@@ -1962,7 +1962,7 @@
           <a:p>
             <a:fld id="{57CF08AD-F0F7-AE4B-B667-A82446B580D0}" type="datetimeFigureOut">
               <a:rPr lang="en-US" smtClean="0"/>
-              <a:t>3/2/2019</a:t>
+              <a:t>3/2/19</a:t>
             </a:fld>
             <a:endParaRPr lang="en-US"/>
           </a:p>
@@ -2075,7 +2075,7 @@
           <a:p>
             <a:fld id="{57CF08AD-F0F7-AE4B-B667-A82446B580D0}" type="datetimeFigureOut">
               <a:rPr lang="en-US" smtClean="0"/>
-              <a:t>3/2/2019</a:t>
+              <a:t>3/2/19</a:t>
             </a:fld>
             <a:endParaRPr lang="en-US"/>
           </a:p>
@@ -2386,7 +2386,7 @@
           <a:p>
             <a:fld id="{57CF08AD-F0F7-AE4B-B667-A82446B580D0}" type="datetimeFigureOut">
               <a:rPr lang="en-US" smtClean="0"/>
-              <a:t>3/2/2019</a:t>
+              <a:t>3/2/19</a:t>
             </a:fld>
             <a:endParaRPr lang="en-US"/>
           </a:p>
@@ -2674,7 +2674,7 @@
           <a:p>
             <a:fld id="{57CF08AD-F0F7-AE4B-B667-A82446B580D0}" type="datetimeFigureOut">
               <a:rPr lang="en-US" smtClean="0"/>
-              <a:t>3/2/2019</a:t>
+              <a:t>3/2/19</a:t>
             </a:fld>
             <a:endParaRPr lang="en-US"/>
           </a:p>
@@ -2915,7 +2915,7 @@
           <a:p>
             <a:fld id="{57CF08AD-F0F7-AE4B-B667-A82446B580D0}" type="datetimeFigureOut">
               <a:rPr lang="en-US" smtClean="0"/>
-              <a:t>3/2/2019</a:t>
+              <a:t>3/2/19</a:t>
             </a:fld>
             <a:endParaRPr lang="en-US"/>
           </a:p>
@@ -6984,7 +6984,7 @@
         <p:spPr>
           <a:xfrm>
             <a:off x="2832808" y="3476179"/>
-            <a:ext cx="7862922" cy="369332"/>
+            <a:ext cx="5092933" cy="369332"/>
           </a:xfrm>
           <a:prstGeom prst="rect">
             <a:avLst/>
@@ -7028,7 +7028,7 @@
                 <a:ea typeface="+mn-ea"/>
                 <a:cs typeface="+mn-cs"/>
               </a:rPr>
-              <a:t>本次作业内容较多，因些建议可以从示例代码中</a:t>
+              <a:t>建议可以从示例代码中</a:t>
             </a:r>
             <a:r>
               <a:rPr kumimoji="0" lang="en-US" altLang="zh-CN" sz="1800" b="0" i="0" u="none" strike="noStrike" kern="1200" cap="none" spc="0" normalizeH="0" baseline="0" noProof="0" dirty="0">

--- a/lectures/lecture03.pptx
+++ b/lectures/lecture03.pptx
@@ -265,7 +265,7 @@
           <a:p>
             <a:fld id="{57CF08AD-F0F7-AE4B-B667-A82446B580D0}" type="datetimeFigureOut">
               <a:rPr lang="en-US" smtClean="0"/>
-              <a:t>3/2/2019</a:t>
+              <a:t>3/2/19</a:t>
             </a:fld>
             <a:endParaRPr lang="en-US"/>
           </a:p>
@@ -463,7 +463,7 @@
           <a:p>
             <a:fld id="{57CF08AD-F0F7-AE4B-B667-A82446B580D0}" type="datetimeFigureOut">
               <a:rPr lang="en-US" smtClean="0"/>
-              <a:t>3/2/2019</a:t>
+              <a:t>3/2/19</a:t>
             </a:fld>
             <a:endParaRPr lang="en-US"/>
           </a:p>
@@ -671,7 +671,7 @@
           <a:p>
             <a:fld id="{57CF08AD-F0F7-AE4B-B667-A82446B580D0}" type="datetimeFigureOut">
               <a:rPr lang="en-US" smtClean="0"/>
-              <a:t>3/2/2019</a:t>
+              <a:t>3/2/19</a:t>
             </a:fld>
             <a:endParaRPr lang="en-US"/>
           </a:p>
@@ -869,7 +869,7 @@
           <a:p>
             <a:fld id="{57CF08AD-F0F7-AE4B-B667-A82446B580D0}" type="datetimeFigureOut">
               <a:rPr lang="en-US" smtClean="0"/>
-              <a:t>3/2/2019</a:t>
+              <a:t>3/2/19</a:t>
             </a:fld>
             <a:endParaRPr lang="en-US"/>
           </a:p>
@@ -1144,7 +1144,7 @@
           <a:p>
             <a:fld id="{57CF08AD-F0F7-AE4B-B667-A82446B580D0}" type="datetimeFigureOut">
               <a:rPr lang="en-US" smtClean="0"/>
-              <a:t>3/2/2019</a:t>
+              <a:t>3/2/19</a:t>
             </a:fld>
             <a:endParaRPr lang="en-US"/>
           </a:p>
@@ -1409,7 +1409,7 @@
           <a:p>
             <a:fld id="{57CF08AD-F0F7-AE4B-B667-A82446B580D0}" type="datetimeFigureOut">
               <a:rPr lang="en-US" smtClean="0"/>
-              <a:t>3/2/2019</a:t>
+              <a:t>3/2/19</a:t>
             </a:fld>
             <a:endParaRPr lang="en-US"/>
           </a:p>
@@ -1821,7 +1821,7 @@
           <a:p>
             <a:fld id="{57CF08AD-F0F7-AE4B-B667-A82446B580D0}" type="datetimeFigureOut">
               <a:rPr lang="en-US" smtClean="0"/>
-              <a:t>3/2/2019</a:t>
+              <a:t>3/2/19</a:t>
             </a:fld>
             <a:endParaRPr lang="en-US"/>
           </a:p>
@@ -1962,7 +1962,7 @@
           <a:p>
             <a:fld id="{57CF08AD-F0F7-AE4B-B667-A82446B580D0}" type="datetimeFigureOut">
               <a:rPr lang="en-US" smtClean="0"/>
-              <a:t>3/2/2019</a:t>
+              <a:t>3/2/19</a:t>
             </a:fld>
             <a:endParaRPr lang="en-US"/>
           </a:p>
@@ -2075,7 +2075,7 @@
           <a:p>
             <a:fld id="{57CF08AD-F0F7-AE4B-B667-A82446B580D0}" type="datetimeFigureOut">
               <a:rPr lang="en-US" smtClean="0"/>
-              <a:t>3/2/2019</a:t>
+              <a:t>3/2/19</a:t>
             </a:fld>
             <a:endParaRPr lang="en-US"/>
           </a:p>
@@ -2386,7 +2386,7 @@
           <a:p>
             <a:fld id="{57CF08AD-F0F7-AE4B-B667-A82446B580D0}" type="datetimeFigureOut">
               <a:rPr lang="en-US" smtClean="0"/>
-              <a:t>3/2/2019</a:t>
+              <a:t>3/2/19</a:t>
             </a:fld>
             <a:endParaRPr lang="en-US"/>
           </a:p>
@@ -2674,7 +2674,7 @@
           <a:p>
             <a:fld id="{57CF08AD-F0F7-AE4B-B667-A82446B580D0}" type="datetimeFigureOut">
               <a:rPr lang="en-US" smtClean="0"/>
-              <a:t>3/2/2019</a:t>
+              <a:t>3/2/19</a:t>
             </a:fld>
             <a:endParaRPr lang="en-US"/>
           </a:p>
@@ -2915,7 +2915,7 @@
           <a:p>
             <a:fld id="{57CF08AD-F0F7-AE4B-B667-A82446B580D0}" type="datetimeFigureOut">
               <a:rPr lang="en-US" smtClean="0"/>
-              <a:t>3/2/2019</a:t>
+              <a:t>3/2/19</a:t>
             </a:fld>
             <a:endParaRPr lang="en-US"/>
           </a:p>
@@ -6984,7 +6984,7 @@
         <p:spPr>
           <a:xfrm>
             <a:off x="2832808" y="3476179"/>
-            <a:ext cx="7862922" cy="369332"/>
+            <a:ext cx="5092933" cy="369332"/>
           </a:xfrm>
           <a:prstGeom prst="rect">
             <a:avLst/>
@@ -7028,7 +7028,7 @@
                 <a:ea typeface="+mn-ea"/>
                 <a:cs typeface="+mn-cs"/>
               </a:rPr>
-              <a:t>本次作业内容较多，因些建议可以从示例代码中</a:t>
+              <a:t>建议可以从示例代码中</a:t>
             </a:r>
             <a:r>
               <a:rPr kumimoji="0" lang="en-US" altLang="zh-CN" sz="1800" b="0" i="0" u="none" strike="noStrike" kern="1200" cap="none" spc="0" normalizeH="0" baseline="0" noProof="0" dirty="0">
@@ -7349,6 +7349,426 @@
               <a:t>/components/Header.js</a:t>
             </a:r>
             <a:endParaRPr kumimoji="0" lang="en-US" sz="1800" b="0" i="0" u="none" strike="noStrike" kern="1200" cap="none" spc="0" normalizeH="0" baseline="0" noProof="0" dirty="0">
+              <a:ln>
+                <a:noFill/>
+              </a:ln>
+              <a:solidFill>
+                <a:prstClr val="white"/>
+              </a:solidFill>
+              <a:effectLst/>
+              <a:uLnTx/>
+              <a:uFillTx/>
+              <a:latin typeface="Calibri" panose="020F0502020204030204"/>
+              <a:ea typeface="+mn-ea"/>
+              <a:cs typeface="+mn-cs"/>
+            </a:endParaRPr>
+          </a:p>
+        </p:txBody>
+      </p:sp>
+      <p:sp>
+        <p:nvSpPr>
+          <p:cNvPr id="12" name="矩形 10">
+            <a:extLst>
+              <a:ext uri="{FF2B5EF4-FFF2-40B4-BE49-F238E27FC236}">
+                <a16:creationId xmlns:a16="http://schemas.microsoft.com/office/drawing/2014/main" id="{BA376B6A-41CA-E34D-892C-14117D3500AC}"/>
+              </a:ext>
+            </a:extLst>
+          </p:cNvPr>
+          <p:cNvSpPr/>
+          <p:nvPr/>
+        </p:nvSpPr>
+        <p:spPr>
+          <a:xfrm>
+            <a:off x="2878527" y="4856709"/>
+            <a:ext cx="3379643" cy="369332"/>
+          </a:xfrm>
+          <a:prstGeom prst="rect">
+            <a:avLst/>
+          </a:prstGeom>
+        </p:spPr>
+        <p:txBody>
+          <a:bodyPr wrap="none">
+            <a:spAutoFit/>
+          </a:bodyPr>
+          <a:lstStyle/>
+          <a:p>
+            <a:pPr marL="0" marR="0" lvl="0" indent="0" algn="l" defTabSz="914400" rtl="0" eaLnBrk="1" fontAlgn="auto" latinLnBrk="0" hangingPunct="1">
+              <a:lnSpc>
+                <a:spcPct val="100000"/>
+              </a:lnSpc>
+              <a:spcBef>
+                <a:spcPts val="0"/>
+              </a:spcBef>
+              <a:spcAft>
+                <a:spcPts val="0"/>
+              </a:spcAft>
+              <a:buClrTx/>
+              <a:buSzTx/>
+              <a:buFontTx/>
+              <a:buNone/>
+              <a:tabLst/>
+              <a:defRPr/>
+            </a:pPr>
+            <a:r>
+              <a:rPr kumimoji="0" lang="zh-CN" altLang="en-CA" sz="1800" b="0" i="0" u="none" strike="noStrike" kern="1200" cap="none" spc="0" normalizeH="0" baseline="0" noProof="0" dirty="0">
+                <a:ln>
+                  <a:noFill/>
+                </a:ln>
+                <a:solidFill>
+                  <a:prstClr val="white"/>
+                </a:solidFill>
+                <a:effectLst/>
+                <a:uLnTx/>
+                <a:uFillTx/>
+                <a:latin typeface="Calibri" panose="020F0502020204030204"/>
+                <a:ea typeface="+mn-ea"/>
+                <a:cs typeface="+mn-cs"/>
+              </a:rPr>
+              <a:t>本</a:t>
+            </a:r>
+            <a:r>
+              <a:rPr kumimoji="0" lang="zh-CN" altLang="en-US" sz="1800" b="0" i="0" u="none" strike="noStrike" kern="1200" cap="none" spc="0" normalizeH="0" baseline="0" noProof="0" dirty="0">
+                <a:ln>
+                  <a:noFill/>
+                </a:ln>
+                <a:solidFill>
+                  <a:prstClr val="white"/>
+                </a:solidFill>
+                <a:effectLst/>
+                <a:uLnTx/>
+                <a:uFillTx/>
+                <a:latin typeface="Calibri" panose="020F0502020204030204"/>
+                <a:ea typeface="+mn-ea"/>
+                <a:cs typeface="+mn-cs"/>
+              </a:rPr>
+              <a:t>节课的代码在</a:t>
+            </a:r>
+            <a:r>
+              <a:rPr kumimoji="0" lang="en-US" altLang="zh-CN" sz="1800" b="0" i="0" u="none" strike="noStrike" kern="1200" cap="none" spc="0" normalizeH="0" baseline="0" noProof="0" dirty="0">
+                <a:ln>
+                  <a:noFill/>
+                </a:ln>
+                <a:solidFill>
+                  <a:prstClr val="white"/>
+                </a:solidFill>
+                <a:effectLst/>
+                <a:uLnTx/>
+                <a:uFillTx/>
+                <a:latin typeface="Calibri" panose="020F0502020204030204"/>
+                <a:ea typeface="+mn-ea"/>
+                <a:cs typeface="+mn-cs"/>
+              </a:rPr>
+              <a:t>lecture03</a:t>
+            </a:r>
+            <a:r>
+              <a:rPr kumimoji="0" lang="zh-CN" altLang="en-US" sz="1800" b="0" i="0" u="none" strike="noStrike" kern="1200" cap="none" spc="0" normalizeH="0" baseline="0" noProof="0" dirty="0">
+                <a:ln>
+                  <a:noFill/>
+                </a:ln>
+                <a:solidFill>
+                  <a:prstClr val="white"/>
+                </a:solidFill>
+                <a:effectLst/>
+                <a:uLnTx/>
+                <a:uFillTx/>
+                <a:latin typeface="Calibri" panose="020F0502020204030204"/>
+                <a:ea typeface="+mn-ea"/>
+                <a:cs typeface="+mn-cs"/>
+              </a:rPr>
+              <a:t>分支中</a:t>
+            </a:r>
+            <a:endParaRPr kumimoji="0" lang="en-US" sz="1800" b="0" i="0" u="none" strike="noStrike" kern="1200" cap="none" spc="0" normalizeH="0" baseline="0" noProof="0" dirty="0">
+              <a:ln>
+                <a:noFill/>
+              </a:ln>
+              <a:solidFill>
+                <a:prstClr val="white"/>
+              </a:solidFill>
+              <a:effectLst/>
+              <a:uLnTx/>
+              <a:uFillTx/>
+              <a:latin typeface="Calibri" panose="020F0502020204030204"/>
+              <a:ea typeface="+mn-ea"/>
+              <a:cs typeface="+mn-cs"/>
+            </a:endParaRPr>
+          </a:p>
+        </p:txBody>
+      </p:sp>
+      <p:sp>
+        <p:nvSpPr>
+          <p:cNvPr id="13" name="Rectangle 3">
+            <a:extLst>
+              <a:ext uri="{FF2B5EF4-FFF2-40B4-BE49-F238E27FC236}">
+                <a16:creationId xmlns:a16="http://schemas.microsoft.com/office/drawing/2014/main" id="{A6915D90-E2B9-8740-B10D-048A73C13BCC}"/>
+              </a:ext>
+            </a:extLst>
+          </p:cNvPr>
+          <p:cNvSpPr/>
+          <p:nvPr/>
+        </p:nvSpPr>
+        <p:spPr>
+          <a:xfrm rot="10800000">
+            <a:off x="2832808" y="4812775"/>
+            <a:ext cx="45719" cy="457200"/>
+          </a:xfrm>
+          <a:prstGeom prst="rect">
+            <a:avLst/>
+          </a:prstGeom>
+          <a:solidFill>
+            <a:srgbClr val="2CCBDE"/>
+          </a:solidFill>
+          <a:ln>
+            <a:noFill/>
+          </a:ln>
+        </p:spPr>
+        <p:style>
+          <a:lnRef idx="2">
+            <a:schemeClr val="accent1">
+              <a:shade val="50000"/>
+            </a:schemeClr>
+          </a:lnRef>
+          <a:fillRef idx="1">
+            <a:schemeClr val="accent1"/>
+          </a:fillRef>
+          <a:effectRef idx="0">
+            <a:schemeClr val="accent1"/>
+          </a:effectRef>
+          <a:fontRef idx="minor">
+            <a:schemeClr val="lt1"/>
+          </a:fontRef>
+        </p:style>
+        <p:txBody>
+          <a:bodyPr rtlCol="0" anchor="ctr"/>
+          <a:lstStyle/>
+          <a:p>
+            <a:pPr marL="0" marR="0" lvl="0" indent="0" algn="ctr" defTabSz="914400" rtl="0" eaLnBrk="1" fontAlgn="auto" latinLnBrk="0" hangingPunct="1">
+              <a:lnSpc>
+                <a:spcPct val="100000"/>
+              </a:lnSpc>
+              <a:spcBef>
+                <a:spcPts val="0"/>
+              </a:spcBef>
+              <a:spcAft>
+                <a:spcPts val="0"/>
+              </a:spcAft>
+              <a:buClrTx/>
+              <a:buSzTx/>
+              <a:buFontTx/>
+              <a:buNone/>
+              <a:tabLst/>
+              <a:defRPr/>
+            </a:pPr>
+            <a:endParaRPr kumimoji="0" lang="en-US" sz="1800" b="0" i="0" u="none" strike="noStrike" kern="1200" cap="none" spc="0" normalizeH="0" baseline="0" noProof="0">
+              <a:ln>
+                <a:noFill/>
+              </a:ln>
+              <a:solidFill>
+                <a:prstClr val="white"/>
+              </a:solidFill>
+              <a:effectLst/>
+              <a:uLnTx/>
+              <a:uFillTx/>
+              <a:latin typeface="Calibri" panose="020F0502020204030204"/>
+              <a:ea typeface="+mn-ea"/>
+              <a:cs typeface="+mn-cs"/>
+            </a:endParaRPr>
+          </a:p>
+        </p:txBody>
+      </p:sp>
+      <p:sp>
+        <p:nvSpPr>
+          <p:cNvPr id="16" name="矩形 10">
+            <a:extLst>
+              <a:ext uri="{FF2B5EF4-FFF2-40B4-BE49-F238E27FC236}">
+                <a16:creationId xmlns:a16="http://schemas.microsoft.com/office/drawing/2014/main" id="{7CAD0DC8-DD3C-764A-A465-50228ADFBE84}"/>
+              </a:ext>
+            </a:extLst>
+          </p:cNvPr>
+          <p:cNvSpPr/>
+          <p:nvPr/>
+        </p:nvSpPr>
+        <p:spPr>
+          <a:xfrm>
+            <a:off x="2878527" y="5410707"/>
+            <a:ext cx="5047214" cy="923330"/>
+          </a:xfrm>
+          <a:prstGeom prst="rect">
+            <a:avLst/>
+          </a:prstGeom>
+        </p:spPr>
+        <p:txBody>
+          <a:bodyPr wrap="square">
+            <a:spAutoFit/>
+          </a:bodyPr>
+          <a:lstStyle/>
+          <a:p>
+            <a:pPr marL="0" marR="0" lvl="0" indent="0" algn="l" defTabSz="914400" rtl="0" eaLnBrk="1" fontAlgn="auto" latinLnBrk="0" hangingPunct="1">
+              <a:lnSpc>
+                <a:spcPct val="100000"/>
+              </a:lnSpc>
+              <a:spcBef>
+                <a:spcPts val="0"/>
+              </a:spcBef>
+              <a:spcAft>
+                <a:spcPts val="0"/>
+              </a:spcAft>
+              <a:buClrTx/>
+              <a:buSzTx/>
+              <a:buFontTx/>
+              <a:buNone/>
+              <a:tabLst/>
+              <a:defRPr/>
+            </a:pPr>
+            <a:r>
+              <a:rPr kumimoji="0" lang="zh-CN" altLang="en-CA" sz="1800" b="0" i="0" u="none" strike="noStrike" kern="1200" cap="none" spc="0" normalizeH="0" baseline="0" noProof="0" dirty="0">
+                <a:ln>
+                  <a:noFill/>
+                </a:ln>
+                <a:solidFill>
+                  <a:prstClr val="white"/>
+                </a:solidFill>
+                <a:effectLst/>
+                <a:uLnTx/>
+                <a:uFillTx/>
+                <a:latin typeface="Calibri" panose="020F0502020204030204"/>
+                <a:ea typeface="+mn-ea"/>
+                <a:cs typeface="+mn-cs"/>
+              </a:rPr>
+              <a:t>另外</a:t>
+            </a:r>
+            <a:r>
+              <a:rPr kumimoji="0" lang="zh-CN" altLang="en-US" sz="1800" b="0" i="0" u="none" strike="noStrike" kern="1200" cap="none" spc="0" normalizeH="0" baseline="0" noProof="0" dirty="0">
+                <a:ln>
+                  <a:noFill/>
+                </a:ln>
+                <a:solidFill>
+                  <a:prstClr val="white"/>
+                </a:solidFill>
+                <a:effectLst/>
+                <a:uLnTx/>
+                <a:uFillTx/>
+                <a:latin typeface="Calibri" panose="020F0502020204030204"/>
+                <a:ea typeface="+mn-ea"/>
+                <a:cs typeface="+mn-cs"/>
+              </a:rPr>
+              <a:t>，我们提供了一个初始代码，代码中已经在上节课的基础上，集成了以</a:t>
+            </a:r>
+            <a:r>
+              <a:rPr kumimoji="0" lang="en-US" altLang="zh-CN" sz="1800" b="0" i="0" u="none" strike="noStrike" kern="1200" cap="none" spc="0" normalizeH="0" baseline="0" noProof="0" dirty="0">
+                <a:ln>
+                  <a:noFill/>
+                </a:ln>
+                <a:solidFill>
+                  <a:prstClr val="white"/>
+                </a:solidFill>
+                <a:effectLst/>
+                <a:uLnTx/>
+                <a:uFillTx/>
+                <a:latin typeface="Calibri" panose="020F0502020204030204"/>
+                <a:ea typeface="+mn-ea"/>
+                <a:cs typeface="+mn-cs"/>
+              </a:rPr>
+              <a:t>question</a:t>
+            </a:r>
+            <a:r>
+              <a:rPr kumimoji="0" lang="zh-CN" altLang="en-US" sz="1800" b="0" i="0" u="none" strike="noStrike" kern="1200" cap="none" spc="0" normalizeH="0" baseline="0" noProof="0" dirty="0">
+                <a:ln>
+                  <a:noFill/>
+                </a:ln>
+                <a:solidFill>
+                  <a:prstClr val="white"/>
+                </a:solidFill>
+                <a:effectLst/>
+                <a:uLnTx/>
+                <a:uFillTx/>
+                <a:latin typeface="Calibri" panose="020F0502020204030204"/>
+                <a:ea typeface="+mn-ea"/>
+                <a:cs typeface="+mn-cs"/>
+              </a:rPr>
+              <a:t>界面的基础组件</a:t>
+            </a:r>
+            <a:endParaRPr kumimoji="0" lang="en-US" sz="1800" b="0" i="0" u="none" strike="noStrike" kern="1200" cap="none" spc="0" normalizeH="0" baseline="0" noProof="0" dirty="0">
+              <a:ln>
+                <a:noFill/>
+              </a:ln>
+              <a:solidFill>
+                <a:prstClr val="white"/>
+              </a:solidFill>
+              <a:effectLst/>
+              <a:uLnTx/>
+              <a:uFillTx/>
+              <a:latin typeface="Calibri" panose="020F0502020204030204"/>
+              <a:ea typeface="+mn-ea"/>
+              <a:cs typeface="+mn-cs"/>
+            </a:endParaRPr>
+          </a:p>
+        </p:txBody>
+      </p:sp>
+      <p:sp>
+        <p:nvSpPr>
+          <p:cNvPr id="17" name="Rectangle 3">
+            <a:extLst>
+              <a:ext uri="{FF2B5EF4-FFF2-40B4-BE49-F238E27FC236}">
+                <a16:creationId xmlns:a16="http://schemas.microsoft.com/office/drawing/2014/main" id="{447FD7F4-2731-0C4E-9E5E-16729D27DE55}"/>
+              </a:ext>
+            </a:extLst>
+          </p:cNvPr>
+          <p:cNvSpPr/>
+          <p:nvPr/>
+        </p:nvSpPr>
+        <p:spPr>
+          <a:xfrm rot="10800000">
+            <a:off x="2832808" y="5366773"/>
+            <a:ext cx="45719" cy="457200"/>
+          </a:xfrm>
+          <a:prstGeom prst="rect">
+            <a:avLst/>
+          </a:prstGeom>
+          <a:solidFill>
+            <a:srgbClr val="2CCBDE"/>
+          </a:solidFill>
+          <a:ln>
+            <a:noFill/>
+          </a:ln>
+        </p:spPr>
+        <p:style>
+          <a:lnRef idx="2">
+            <a:schemeClr val="accent1">
+              <a:shade val="50000"/>
+            </a:schemeClr>
+          </a:lnRef>
+          <a:fillRef idx="1">
+            <a:schemeClr val="accent1"/>
+          </a:fillRef>
+          <a:effectRef idx="0">
+            <a:schemeClr val="accent1"/>
+          </a:effectRef>
+          <a:fontRef idx="minor">
+            <a:schemeClr val="lt1"/>
+          </a:fontRef>
+        </p:style>
+        <p:txBody>
+          <a:bodyPr rtlCol="0" anchor="ctr"/>
+          <a:lstStyle/>
+          <a:p>
+            <a:pPr marL="0" marR="0" lvl="0" indent="0" algn="ctr" defTabSz="914400" rtl="0" eaLnBrk="1" fontAlgn="auto" latinLnBrk="0" hangingPunct="1">
+              <a:lnSpc>
+                <a:spcPct val="100000"/>
+              </a:lnSpc>
+              <a:spcBef>
+                <a:spcPts val="0"/>
+              </a:spcBef>
+              <a:spcAft>
+                <a:spcPts val="0"/>
+              </a:spcAft>
+              <a:buClrTx/>
+              <a:buSzTx/>
+              <a:buFontTx/>
+              <a:buNone/>
+              <a:tabLst/>
+              <a:defRPr/>
+            </a:pPr>
+            <a:endParaRPr kumimoji="0" lang="en-US" sz="1800" b="0" i="0" u="none" strike="noStrike" kern="1200" cap="none" spc="0" normalizeH="0" baseline="0" noProof="0">
               <a:ln>
                 <a:noFill/>
               </a:ln>
